--- a/Simility_Travel_Insurance.pptx
+++ b/Simility_Travel_Insurance.pptx
@@ -268,7 +268,7 @@
           <a:p>
             <a:fld id="{D1D92A76-6382-4901-98D6-380C1A4790C3}" type="datetimeFigureOut">
               <a:rPr lang="en-GB" smtClean="0"/>
-              <a:t>02/04/2021</a:t>
+              <a:t>03/04/2021</a:t>
             </a:fld>
             <a:endParaRPr lang="en-GB"/>
           </a:p>
@@ -438,7 +438,7 @@
           <a:p>
             <a:fld id="{D1D92A76-6382-4901-98D6-380C1A4790C3}" type="datetimeFigureOut">
               <a:rPr lang="en-GB" smtClean="0"/>
-              <a:t>02/04/2021</a:t>
+              <a:t>03/04/2021</a:t>
             </a:fld>
             <a:endParaRPr lang="en-GB"/>
           </a:p>
@@ -618,7 +618,7 @@
           <a:p>
             <a:fld id="{D1D92A76-6382-4901-98D6-380C1A4790C3}" type="datetimeFigureOut">
               <a:rPr lang="en-GB" smtClean="0"/>
-              <a:t>02/04/2021</a:t>
+              <a:t>03/04/2021</a:t>
             </a:fld>
             <a:endParaRPr lang="en-GB"/>
           </a:p>
@@ -788,7 +788,7 @@
           <a:p>
             <a:fld id="{D1D92A76-6382-4901-98D6-380C1A4790C3}" type="datetimeFigureOut">
               <a:rPr lang="en-GB" smtClean="0"/>
-              <a:t>02/04/2021</a:t>
+              <a:t>03/04/2021</a:t>
             </a:fld>
             <a:endParaRPr lang="en-GB"/>
           </a:p>
@@ -1034,7 +1034,7 @@
           <a:p>
             <a:fld id="{D1D92A76-6382-4901-98D6-380C1A4790C3}" type="datetimeFigureOut">
               <a:rPr lang="en-GB" smtClean="0"/>
-              <a:t>02/04/2021</a:t>
+              <a:t>03/04/2021</a:t>
             </a:fld>
             <a:endParaRPr lang="en-GB"/>
           </a:p>
@@ -1266,7 +1266,7 @@
           <a:p>
             <a:fld id="{D1D92A76-6382-4901-98D6-380C1A4790C3}" type="datetimeFigureOut">
               <a:rPr lang="en-GB" smtClean="0"/>
-              <a:t>02/04/2021</a:t>
+              <a:t>03/04/2021</a:t>
             </a:fld>
             <a:endParaRPr lang="en-GB"/>
           </a:p>
@@ -1633,7 +1633,7 @@
           <a:p>
             <a:fld id="{D1D92A76-6382-4901-98D6-380C1A4790C3}" type="datetimeFigureOut">
               <a:rPr lang="en-GB" smtClean="0"/>
-              <a:t>02/04/2021</a:t>
+              <a:t>03/04/2021</a:t>
             </a:fld>
             <a:endParaRPr lang="en-GB"/>
           </a:p>
@@ -1751,7 +1751,7 @@
           <a:p>
             <a:fld id="{D1D92A76-6382-4901-98D6-380C1A4790C3}" type="datetimeFigureOut">
               <a:rPr lang="en-GB" smtClean="0"/>
-              <a:t>02/04/2021</a:t>
+              <a:t>03/04/2021</a:t>
             </a:fld>
             <a:endParaRPr lang="en-GB"/>
           </a:p>
@@ -1846,7 +1846,7 @@
           <a:p>
             <a:fld id="{D1D92A76-6382-4901-98D6-380C1A4790C3}" type="datetimeFigureOut">
               <a:rPr lang="en-GB" smtClean="0"/>
-              <a:t>02/04/2021</a:t>
+              <a:t>03/04/2021</a:t>
             </a:fld>
             <a:endParaRPr lang="en-GB"/>
           </a:p>
@@ -2123,7 +2123,7 @@
           <a:p>
             <a:fld id="{D1D92A76-6382-4901-98D6-380C1A4790C3}" type="datetimeFigureOut">
               <a:rPr lang="en-GB" smtClean="0"/>
-              <a:t>02/04/2021</a:t>
+              <a:t>03/04/2021</a:t>
             </a:fld>
             <a:endParaRPr lang="en-GB"/>
           </a:p>
@@ -2380,7 +2380,7 @@
           <a:p>
             <a:fld id="{D1D92A76-6382-4901-98D6-380C1A4790C3}" type="datetimeFigureOut">
               <a:rPr lang="en-GB" smtClean="0"/>
-              <a:t>02/04/2021</a:t>
+              <a:t>03/04/2021</a:t>
             </a:fld>
             <a:endParaRPr lang="en-GB"/>
           </a:p>
@@ -2593,7 +2593,7 @@
           <a:p>
             <a:fld id="{D1D92A76-6382-4901-98D6-380C1A4790C3}" type="datetimeFigureOut">
               <a:rPr lang="en-GB" smtClean="0"/>
-              <a:t>02/04/2021</a:t>
+              <a:t>03/04/2021</a:t>
             </a:fld>
             <a:endParaRPr lang="en-GB"/>
           </a:p>
@@ -8028,7 +8028,7 @@
         <p:spPr/>
         <p:txBody>
           <a:bodyPr>
-            <a:normAutofit lnSpcReduction="10000"/>
+            <a:normAutofit fontScale="92500" lnSpcReduction="20000"/>
           </a:bodyPr>
           <a:lstStyle/>
           <a:p>
@@ -8046,8 +8046,27 @@
           <a:p>
             <a:r>
               <a:rPr lang="en-US" sz="1500" dirty="0" smtClean="0"/>
-              <a:t>Clarity on negative net sales value would have helped.</a:t>
-            </a:r>
+              <a:t>Clarity on negative net sales value would have helped</a:t>
+            </a:r>
+            <a:r>
+              <a:rPr lang="en-US" sz="1500" dirty="0" smtClean="0"/>
+              <a:t>.</a:t>
+            </a:r>
+          </a:p>
+          <a:p>
+            <a:r>
+              <a:rPr lang="en-US" sz="1500" dirty="0" smtClean="0"/>
+              <a:t>Demographic, Geographic and </a:t>
+            </a:r>
+            <a:r>
+              <a:rPr lang="en-US" sz="1500" smtClean="0"/>
+              <a:t>Social Behavior </a:t>
+            </a:r>
+            <a:r>
+              <a:rPr lang="en-US" sz="1500" dirty="0" smtClean="0"/>
+              <a:t>details of Actual Customer who has taken the insurance would have helped to predict the model much better.</a:t>
+            </a:r>
+            <a:endParaRPr lang="en-US" sz="1500" dirty="0" smtClean="0"/>
           </a:p>
           <a:p>
             <a:r>
